--- a/news/2017-11-01-news.pptx
+++ b/news/2017-11-01-news.pptx
@@ -8817,7 +8817,7 @@
               <a:buChar char=""/>
             </a:pPr>
             <a:r>
-              <a:rPr lang="en-GB" sz="3200" b="0" strike="noStrike" spc="-1">
+              <a:rPr lang="en-GB" sz="3200" spc="-1">
                 <a:solidFill>
                   <a:srgbClr val="000000"/>
                 </a:solidFill>
@@ -8829,10 +8829,10 @@
                 <a:latin typeface="Arial"/>
                 <a:hlinkClick r:id="rId2"/>
               </a:rPr>
-              <a:t>http://students.aberrobotics.club/sumo</a:t>
+              <a:t>http://sumo.aberrobotics.club</a:t>
             </a:r>
             <a:r>
-              <a:rPr lang="en-GB" sz="3200" b="0" strike="noStrike" spc="-1">
+              <a:rPr lang="en-GB" sz="3200" spc="-1">
                 <a:solidFill>
                   <a:srgbClr val="000000"/>
                 </a:solidFill>
